--- a/Rescue Bot- Team The Dark Knights.pptx
+++ b/Rescue Bot- Team The Dark Knights.pptx
@@ -5,7 +5,7 @@
     <p:sldMasterId id="2147483713" r:id="rId1"/>
   </p:sldMasterIdLst>
   <p:notesMasterIdLst>
-    <p:notesMasterId r:id="rId27"/>
+    <p:notesMasterId r:id="rId28"/>
   </p:notesMasterIdLst>
   <p:sldIdLst>
     <p:sldId id="256" r:id="rId2"/>
@@ -32,7 +32,8 @@
     <p:sldId id="272" r:id="rId23"/>
     <p:sldId id="273" r:id="rId24"/>
     <p:sldId id="258" r:id="rId25"/>
-    <p:sldId id="284" r:id="rId26"/>
+    <p:sldId id="285" r:id="rId26"/>
+    <p:sldId id="284" r:id="rId27"/>
   </p:sldIdLst>
   <p:sldSz cx="12192000" cy="6858000"/>
   <p:notesSz cx="6858000" cy="9144000"/>
@@ -25977,6 +25978,125 @@
 <file path=ppt/slides/slide25.xml><?xml version="1.0" encoding="utf-8"?>
 <p:sld xmlns:a="http://schemas.openxmlformats.org/drawingml/2006/main" xmlns:r="http://schemas.openxmlformats.org/officeDocument/2006/relationships" xmlns:p="http://schemas.openxmlformats.org/presentationml/2006/main">
   <p:cSld>
+    <p:spTree>
+      <p:nvGrpSpPr>
+        <p:cNvPr id="1" name=""/>
+        <p:cNvGrpSpPr/>
+        <p:nvPr/>
+      </p:nvGrpSpPr>
+      <p:grpSpPr>
+        <a:xfrm>
+          <a:off x="0" y="0"/>
+          <a:ext cx="0" cy="0"/>
+          <a:chOff x="0" y="0"/>
+          <a:chExt cx="0" cy="0"/>
+        </a:xfrm>
+      </p:grpSpPr>
+      <p:sp>
+        <p:nvSpPr>
+          <p:cNvPr id="2" name="Title 1">
+            <a:extLst>
+              <a:ext uri="{FF2B5EF4-FFF2-40B4-BE49-F238E27FC236}">
+                <a16:creationId xmlns:a16="http://schemas.microsoft.com/office/drawing/2014/main" id="{A2AA7B54-BE9F-4EF9-AD25-5E23054C3CA5}"/>
+              </a:ext>
+            </a:extLst>
+          </p:cNvPr>
+          <p:cNvSpPr>
+            <a:spLocks noGrp="1"/>
+          </p:cNvSpPr>
+          <p:nvPr>
+            <p:ph type="title"/>
+          </p:nvPr>
+        </p:nvSpPr>
+        <p:spPr/>
+        <p:txBody>
+          <a:bodyPr/>
+          <a:lstStyle/>
+          <a:p>
+            <a:r>
+              <a:rPr lang="en-US" dirty="0"/>
+              <a:t>Git Hub </a:t>
+            </a:r>
+            <a:endParaRPr lang="en-IN" dirty="0"/>
+          </a:p>
+        </p:txBody>
+      </p:sp>
+      <p:sp>
+        <p:nvSpPr>
+          <p:cNvPr id="3" name="Content Placeholder 2">
+            <a:extLst>
+              <a:ext uri="{FF2B5EF4-FFF2-40B4-BE49-F238E27FC236}">
+                <a16:creationId xmlns:a16="http://schemas.microsoft.com/office/drawing/2014/main" id="{FA74EFB2-E116-4720-BA25-8757BF6D80C0}"/>
+              </a:ext>
+            </a:extLst>
+          </p:cNvPr>
+          <p:cNvSpPr>
+            <a:spLocks noGrp="1"/>
+          </p:cNvSpPr>
+          <p:nvPr>
+            <p:ph idx="1"/>
+          </p:nvPr>
+        </p:nvSpPr>
+        <p:spPr/>
+        <p:txBody>
+          <a:bodyPr/>
+          <a:lstStyle/>
+          <a:p>
+            <a:r>
+              <a:rPr lang="en-IN" dirty="0">
+                <a:hlinkClick r:id="rId2"/>
+              </a:rPr>
+              <a:t>https://github.com/krupa1106/TheDarkKnights-MechatronicsPeoject</a:t>
+            </a:r>
+            <a:endParaRPr lang="en-IN" dirty="0"/>
+          </a:p>
+        </p:txBody>
+      </p:sp>
+      <p:sp>
+        <p:nvSpPr>
+          <p:cNvPr id="4" name="Slide Number Placeholder 3">
+            <a:extLst>
+              <a:ext uri="{FF2B5EF4-FFF2-40B4-BE49-F238E27FC236}">
+                <a16:creationId xmlns:a16="http://schemas.microsoft.com/office/drawing/2014/main" id="{743F486B-7B25-4B91-BAF5-72D8306C1E81}"/>
+              </a:ext>
+            </a:extLst>
+          </p:cNvPr>
+          <p:cNvSpPr>
+            <a:spLocks noGrp="1"/>
+          </p:cNvSpPr>
+          <p:nvPr>
+            <p:ph type="sldNum" sz="quarter" idx="12"/>
+          </p:nvPr>
+        </p:nvSpPr>
+        <p:spPr/>
+        <p:txBody>
+          <a:bodyPr/>
+          <a:lstStyle/>
+          <a:p>
+            <a:fld id="{FE93B458-3A03-48ED-B51F-457AA0898A24}" type="slidenum">
+              <a:rPr lang="en-IN" smtClean="0"/>
+              <a:t>25</a:t>
+            </a:fld>
+            <a:endParaRPr lang="en-IN"/>
+          </a:p>
+        </p:txBody>
+      </p:sp>
+    </p:spTree>
+    <p:extLst>
+      <p:ext uri="{BB962C8B-B14F-4D97-AF65-F5344CB8AC3E}">
+        <p14:creationId xmlns:p14="http://schemas.microsoft.com/office/powerpoint/2010/main" val="2552164984"/>
+      </p:ext>
+    </p:extLst>
+  </p:cSld>
+  <p:clrMapOvr>
+    <a:masterClrMapping/>
+  </p:clrMapOvr>
+</p:sld>
+</file>
+
+<file path=ppt/slides/slide26.xml><?xml version="1.0" encoding="utf-8"?>
+<p:sld xmlns:a="http://schemas.openxmlformats.org/drawingml/2006/main" xmlns:r="http://schemas.openxmlformats.org/officeDocument/2006/relationships" xmlns:p="http://schemas.openxmlformats.org/presentationml/2006/main">
+  <p:cSld>
     <p:bg>
       <p:bgPr>
         <a:blipFill rotWithShape="1">
@@ -26378,7 +26498,7 @@
           <a:p>
             <a:fld id="{FE93B458-3A03-48ED-B51F-457AA0898A24}" type="slidenum">
               <a:rPr lang="en-IN" smtClean="0"/>
-              <a:t>25</a:t>
+              <a:t>26</a:t>
             </a:fld>
             <a:endParaRPr lang="en-IN"/>
           </a:p>

--- a/Rescue Bot- Team The Dark Knights.pptx
+++ b/Rescue Bot- Team The Dark Knights.pptx
@@ -5,7 +5,7 @@
     <p:sldMasterId id="2147483713" r:id="rId1"/>
   </p:sldMasterIdLst>
   <p:notesMasterIdLst>
-    <p:notesMasterId r:id="rId28"/>
+    <p:notesMasterId r:id="rId29"/>
   </p:notesMasterIdLst>
   <p:sldIdLst>
     <p:sldId id="256" r:id="rId2"/>
@@ -22,18 +22,19 @@
     <p:sldId id="274" r:id="rId13"/>
     <p:sldId id="269" r:id="rId14"/>
     <p:sldId id="263" r:id="rId15"/>
-    <p:sldId id="276" r:id="rId16"/>
-    <p:sldId id="279" r:id="rId17"/>
-    <p:sldId id="281" r:id="rId18"/>
-    <p:sldId id="282" r:id="rId19"/>
-    <p:sldId id="277" r:id="rId20"/>
-    <p:sldId id="283" r:id="rId21"/>
-    <p:sldId id="275" r:id="rId22"/>
-    <p:sldId id="272" r:id="rId23"/>
-    <p:sldId id="273" r:id="rId24"/>
-    <p:sldId id="258" r:id="rId25"/>
-    <p:sldId id="285" r:id="rId26"/>
-    <p:sldId id="284" r:id="rId27"/>
+    <p:sldId id="286" r:id="rId16"/>
+    <p:sldId id="276" r:id="rId17"/>
+    <p:sldId id="279" r:id="rId18"/>
+    <p:sldId id="281" r:id="rId19"/>
+    <p:sldId id="282" r:id="rId20"/>
+    <p:sldId id="277" r:id="rId21"/>
+    <p:sldId id="283" r:id="rId22"/>
+    <p:sldId id="275" r:id="rId23"/>
+    <p:sldId id="272" r:id="rId24"/>
+    <p:sldId id="273" r:id="rId25"/>
+    <p:sldId id="258" r:id="rId26"/>
+    <p:sldId id="285" r:id="rId27"/>
+    <p:sldId id="284" r:id="rId28"/>
   </p:sldIdLst>
   <p:sldSz cx="12192000" cy="6858000"/>
   <p:notesSz cx="6858000" cy="9144000"/>
@@ -15183,6 +15184,661 @@
       </p:grpSpPr>
       <p:pic>
         <p:nvPicPr>
+          <p:cNvPr id="11" name="Picture 10">
+            <a:extLst>
+              <a:ext uri="{FF2B5EF4-FFF2-40B4-BE49-F238E27FC236}">
+                <a16:creationId xmlns:a16="http://schemas.microsoft.com/office/drawing/2014/main" id="{41B68C77-138E-4BF7-A276-BD0C78A4219F}"/>
+              </a:ext>
+              <a:ext uri="{C183D7F6-B498-43B3-948B-1728B52AA6E4}">
+                <adec:decorative xmlns:adec="http://schemas.microsoft.com/office/drawing/2017/decorative" val="1"/>
+              </a:ext>
+            </a:extLst>
+          </p:cNvPr>
+          <p:cNvPicPr>
+            <a:picLocks noGrp="1" noRot="1" noChangeAspect="1" noMove="1" noResize="1" noEditPoints="1" noAdjustHandles="1" noChangeArrowheads="1" noChangeShapeType="1" noCrop="1"/>
+          </p:cNvPicPr>
+          <p:nvPr>
+            <p:extLst>
+              <p:ext uri="{386F3935-93C4-4BCD-93E2-E3B085C9AB24}">
+                <p16:designElem xmlns:p16="http://schemas.microsoft.com/office/powerpoint/2015/main" val="1"/>
+              </p:ext>
+            </p:extLst>
+          </p:nvPr>
+        </p:nvPicPr>
+        <p:blipFill rotWithShape="1">
+          <a:blip r:embed="rId2">
+            <a:extLst>
+              <a:ext uri="{28A0092B-C50C-407E-A947-70E740481C1C}">
+                <a14:useLocalDpi xmlns:a14="http://schemas.microsoft.com/office/drawing/2010/main" val="0"/>
+              </a:ext>
+            </a:extLst>
+          </a:blip>
+          <a:srcRect l="3613"/>
+          <a:stretch/>
+        </p:blipFill>
+        <p:spPr>
+          <a:xfrm>
+            <a:off x="0" y="2669685"/>
+            <a:ext cx="4037012" cy="4188315"/>
+          </a:xfrm>
+          <a:prstGeom prst="rect">
+            <a:avLst/>
+          </a:prstGeom>
+        </p:spPr>
+      </p:pic>
+      <p:pic>
+        <p:nvPicPr>
+          <p:cNvPr id="13" name="Picture 12">
+            <a:extLst>
+              <a:ext uri="{FF2B5EF4-FFF2-40B4-BE49-F238E27FC236}">
+                <a16:creationId xmlns:a16="http://schemas.microsoft.com/office/drawing/2014/main" id="{7C268552-D473-46ED-B1B8-422042C4DEF1}"/>
+              </a:ext>
+              <a:ext uri="{C183D7F6-B498-43B3-948B-1728B52AA6E4}">
+                <adec:decorative xmlns:adec="http://schemas.microsoft.com/office/drawing/2017/decorative" val="1"/>
+              </a:ext>
+            </a:extLst>
+          </p:cNvPr>
+          <p:cNvPicPr>
+            <a:picLocks noGrp="1" noRot="1" noChangeAspect="1" noMove="1" noResize="1" noEditPoints="1" noAdjustHandles="1" noChangeArrowheads="1" noChangeShapeType="1" noCrop="1"/>
+          </p:cNvPicPr>
+          <p:nvPr>
+            <p:extLst>
+              <p:ext uri="{386F3935-93C4-4BCD-93E2-E3B085C9AB24}">
+                <p16:designElem xmlns:p16="http://schemas.microsoft.com/office/powerpoint/2015/main" val="1"/>
+              </p:ext>
+            </p:extLst>
+          </p:nvPr>
+        </p:nvPicPr>
+        <p:blipFill rotWithShape="1">
+          <a:blip r:embed="rId3">
+            <a:extLst>
+              <a:ext uri="{28A0092B-C50C-407E-A947-70E740481C1C}">
+                <a14:useLocalDpi xmlns:a14="http://schemas.microsoft.com/office/drawing/2010/main" val="0"/>
+              </a:ext>
+            </a:extLst>
+          </a:blip>
+          <a:srcRect l="35640"/>
+          <a:stretch/>
+        </p:blipFill>
+        <p:spPr>
+          <a:xfrm>
+            <a:off x="0" y="2892347"/>
+            <a:ext cx="1522412" cy="2365453"/>
+          </a:xfrm>
+          <a:prstGeom prst="rect">
+            <a:avLst/>
+          </a:prstGeom>
+        </p:spPr>
+      </p:pic>
+      <p:sp>
+        <p:nvSpPr>
+          <p:cNvPr id="15" name="Oval 14">
+            <a:extLst>
+              <a:ext uri="{FF2B5EF4-FFF2-40B4-BE49-F238E27FC236}">
+                <a16:creationId xmlns:a16="http://schemas.microsoft.com/office/drawing/2014/main" id="{4AC0CD9D-7610-4620-93B4-798CCD9AB581}"/>
+              </a:ext>
+              <a:ext uri="{C183D7F6-B498-43B3-948B-1728B52AA6E4}">
+                <adec:decorative xmlns:adec="http://schemas.microsoft.com/office/drawing/2017/decorative" val="1"/>
+              </a:ext>
+            </a:extLst>
+          </p:cNvPr>
+          <p:cNvSpPr>
+            <a:spLocks noGrp="1" noRot="1" noChangeAspect="1" noMove="1" noResize="1" noEditPoints="1" noAdjustHandles="1" noChangeArrowheads="1" noChangeShapeType="1" noTextEdit="1"/>
+          </p:cNvSpPr>
+          <p:nvPr>
+            <p:extLst>
+              <p:ext uri="{386F3935-93C4-4BCD-93E2-E3B085C9AB24}">
+                <p16:designElem xmlns:p16="http://schemas.microsoft.com/office/powerpoint/2015/main" val="1"/>
+              </p:ext>
+            </p:extLst>
+          </p:nvPr>
+        </p:nvSpPr>
+        <p:spPr>
+          <a:xfrm>
+            <a:off x="8609012" y="1676400"/>
+            <a:ext cx="2819400" cy="2819400"/>
+          </a:xfrm>
+          <a:prstGeom prst="ellipse">
+            <a:avLst/>
+          </a:prstGeom>
+          <a:gradFill flip="none" rotWithShape="1">
+            <a:gsLst>
+              <a:gs pos="0">
+                <a:schemeClr val="bg2">
+                  <a:lumMod val="60000"/>
+                  <a:lumOff val="40000"/>
+                  <a:alpha val="7000"/>
+                </a:schemeClr>
+              </a:gs>
+              <a:gs pos="69000">
+                <a:schemeClr val="bg2">
+                  <a:lumMod val="60000"/>
+                  <a:lumOff val="40000"/>
+                  <a:alpha val="0"/>
+                </a:schemeClr>
+              </a:gs>
+              <a:gs pos="36000">
+                <a:schemeClr val="bg2">
+                  <a:lumMod val="60000"/>
+                  <a:lumOff val="40000"/>
+                  <a:alpha val="6000"/>
+                </a:schemeClr>
+              </a:gs>
+            </a:gsLst>
+            <a:path path="circle">
+              <a:fillToRect l="50000" t="50000" r="50000" b="50000"/>
+            </a:path>
+            <a:tileRect/>
+          </a:gradFill>
+          <a:ln>
+            <a:noFill/>
+          </a:ln>
+          <a:effectLst/>
+        </p:spPr>
+        <p:style>
+          <a:lnRef idx="1">
+            <a:schemeClr val="accent1"/>
+          </a:lnRef>
+          <a:fillRef idx="3">
+            <a:schemeClr val="accent1"/>
+          </a:fillRef>
+          <a:effectRef idx="2">
+            <a:schemeClr val="accent1"/>
+          </a:effectRef>
+          <a:fontRef idx="minor">
+            <a:schemeClr val="lt1"/>
+          </a:fontRef>
+        </p:style>
+      </p:sp>
+      <p:pic>
+        <p:nvPicPr>
+          <p:cNvPr id="17" name="Picture 16">
+            <a:extLst>
+              <a:ext uri="{FF2B5EF4-FFF2-40B4-BE49-F238E27FC236}">
+                <a16:creationId xmlns:a16="http://schemas.microsoft.com/office/drawing/2014/main" id="{B9238B3E-24AA-439A-B527-6C5DF6D72145}"/>
+              </a:ext>
+              <a:ext uri="{C183D7F6-B498-43B3-948B-1728B52AA6E4}">
+                <adec:decorative xmlns:adec="http://schemas.microsoft.com/office/drawing/2017/decorative" val="1"/>
+              </a:ext>
+            </a:extLst>
+          </p:cNvPr>
+          <p:cNvPicPr>
+            <a:picLocks noGrp="1" noRot="1" noChangeAspect="1" noMove="1" noResize="1" noEditPoints="1" noAdjustHandles="1" noChangeArrowheads="1" noChangeShapeType="1" noCrop="1"/>
+          </p:cNvPicPr>
+          <p:nvPr>
+            <p:extLst>
+              <p:ext uri="{386F3935-93C4-4BCD-93E2-E3B085C9AB24}">
+                <p16:designElem xmlns:p16="http://schemas.microsoft.com/office/powerpoint/2015/main" val="1"/>
+              </p:ext>
+            </p:extLst>
+          </p:nvPr>
+        </p:nvPicPr>
+        <p:blipFill rotWithShape="1">
+          <a:blip r:embed="rId4">
+            <a:extLst>
+              <a:ext uri="{28A0092B-C50C-407E-A947-70E740481C1C}">
+                <a14:useLocalDpi xmlns:a14="http://schemas.microsoft.com/office/drawing/2010/main" val="0"/>
+              </a:ext>
+            </a:extLst>
+          </a:blip>
+          <a:srcRect t="28813"/>
+          <a:stretch/>
+        </p:blipFill>
+        <p:spPr>
+          <a:xfrm>
+            <a:off x="7999412" y="0"/>
+            <a:ext cx="1603387" cy="1141407"/>
+          </a:xfrm>
+          <a:prstGeom prst="rect">
+            <a:avLst/>
+          </a:prstGeom>
+        </p:spPr>
+      </p:pic>
+      <p:pic>
+        <p:nvPicPr>
+          <p:cNvPr id="19" name="Picture 18">
+            <a:extLst>
+              <a:ext uri="{FF2B5EF4-FFF2-40B4-BE49-F238E27FC236}">
+                <a16:creationId xmlns:a16="http://schemas.microsoft.com/office/drawing/2014/main" id="{69F01145-BEA3-4CBF-AA21-10077B948CA8}"/>
+              </a:ext>
+              <a:ext uri="{C183D7F6-B498-43B3-948B-1728B52AA6E4}">
+                <adec:decorative xmlns:adec="http://schemas.microsoft.com/office/drawing/2017/decorative" val="1"/>
+              </a:ext>
+            </a:extLst>
+          </p:cNvPr>
+          <p:cNvPicPr>
+            <a:picLocks noGrp="1" noRot="1" noChangeAspect="1" noMove="1" noResize="1" noEditPoints="1" noAdjustHandles="1" noChangeArrowheads="1" noChangeShapeType="1" noCrop="1"/>
+          </p:cNvPicPr>
+          <p:nvPr>
+            <p:extLst>
+              <p:ext uri="{386F3935-93C4-4BCD-93E2-E3B085C9AB24}">
+                <p16:designElem xmlns:p16="http://schemas.microsoft.com/office/powerpoint/2015/main" val="1"/>
+              </p:ext>
+            </p:extLst>
+          </p:nvPr>
+        </p:nvPicPr>
+        <p:blipFill rotWithShape="1">
+          <a:blip r:embed="rId5">
+            <a:extLst>
+              <a:ext uri="{28A0092B-C50C-407E-A947-70E740481C1C}">
+                <a14:useLocalDpi xmlns:a14="http://schemas.microsoft.com/office/drawing/2010/main" val="0"/>
+              </a:ext>
+            </a:extLst>
+          </a:blip>
+          <a:srcRect b="23320"/>
+          <a:stretch/>
+        </p:blipFill>
+        <p:spPr>
+          <a:xfrm>
+            <a:off x="8605878" y="6096000"/>
+            <a:ext cx="993734" cy="762000"/>
+          </a:xfrm>
+          <a:prstGeom prst="rect">
+            <a:avLst/>
+          </a:prstGeom>
+        </p:spPr>
+      </p:pic>
+      <p:sp>
+        <p:nvSpPr>
+          <p:cNvPr id="21" name="Rectangle 20">
+            <a:extLst>
+              <a:ext uri="{FF2B5EF4-FFF2-40B4-BE49-F238E27FC236}">
+                <a16:creationId xmlns:a16="http://schemas.microsoft.com/office/drawing/2014/main" id="{DE4D62F9-188E-4530-84C2-24BDEE4BEB82}"/>
+              </a:ext>
+              <a:ext uri="{C183D7F6-B498-43B3-948B-1728B52AA6E4}">
+                <adec:decorative xmlns:adec="http://schemas.microsoft.com/office/drawing/2017/decorative" val="1"/>
+              </a:ext>
+            </a:extLst>
+          </p:cNvPr>
+          <p:cNvSpPr>
+            <a:spLocks noGrp="1" noRot="1" noChangeAspect="1" noMove="1" noResize="1" noEditPoints="1" noAdjustHandles="1" noChangeArrowheads="1" noChangeShapeType="1" noTextEdit="1"/>
+          </p:cNvSpPr>
+          <p:nvPr>
+            <p:extLst>
+              <p:ext uri="{386F3935-93C4-4BCD-93E2-E3B085C9AB24}">
+                <p16:designElem xmlns:p16="http://schemas.microsoft.com/office/powerpoint/2015/main" val="1"/>
+              </p:ext>
+            </p:extLst>
+          </p:nvPr>
+        </p:nvSpPr>
+        <p:spPr>
+          <a:xfrm>
+            <a:off x="10437812" y="0"/>
+            <a:ext cx="685800" cy="1143000"/>
+          </a:xfrm>
+          <a:prstGeom prst="rect">
+            <a:avLst/>
+          </a:prstGeom>
+          <a:solidFill>
+            <a:schemeClr val="accent1"/>
+          </a:solidFill>
+          <a:ln>
+            <a:noFill/>
+          </a:ln>
+        </p:spPr>
+        <p:style>
+          <a:lnRef idx="1">
+            <a:schemeClr val="accent1"/>
+          </a:lnRef>
+          <a:fillRef idx="3">
+            <a:schemeClr val="accent1"/>
+          </a:fillRef>
+          <a:effectRef idx="2">
+            <a:schemeClr val="accent1"/>
+          </a:effectRef>
+          <a:fontRef idx="minor">
+            <a:schemeClr val="lt1"/>
+          </a:fontRef>
+        </p:style>
+      </p:sp>
+      <p:sp>
+        <p:nvSpPr>
+          <p:cNvPr id="23" name="Rectangle 22">
+            <a:extLst>
+              <a:ext uri="{FF2B5EF4-FFF2-40B4-BE49-F238E27FC236}">
+                <a16:creationId xmlns:a16="http://schemas.microsoft.com/office/drawing/2014/main" id="{D67CA421-FA2B-47ED-A101-F8BBEBB2976B}"/>
+              </a:ext>
+              <a:ext uri="{C183D7F6-B498-43B3-948B-1728B52AA6E4}">
+                <adec:decorative xmlns:adec="http://schemas.microsoft.com/office/drawing/2017/decorative" val="1"/>
+              </a:ext>
+            </a:extLst>
+          </p:cNvPr>
+          <p:cNvSpPr>
+            <a:spLocks noGrp="1" noRot="1" noChangeAspect="1" noMove="1" noResize="1" noEditPoints="1" noAdjustHandles="1" noChangeArrowheads="1" noChangeShapeType="1" noTextEdit="1"/>
+          </p:cNvSpPr>
+          <p:nvPr>
+            <p:extLst>
+              <p:ext uri="{386F3935-93C4-4BCD-93E2-E3B085C9AB24}">
+                <p16:designElem xmlns:p16="http://schemas.microsoft.com/office/powerpoint/2015/main" val="1"/>
+              </p:ext>
+            </p:extLst>
+          </p:nvPr>
+        </p:nvSpPr>
+        <p:spPr>
+          <a:xfrm>
+            <a:off x="0" y="0"/>
+            <a:ext cx="12192000" cy="6858000"/>
+          </a:xfrm>
+          <a:prstGeom prst="rect">
+            <a:avLst/>
+          </a:prstGeom>
+          <a:ln>
+            <a:noFill/>
+          </a:ln>
+        </p:spPr>
+        <p:style>
+          <a:lnRef idx="2">
+            <a:schemeClr val="accent1">
+              <a:shade val="50000"/>
+            </a:schemeClr>
+          </a:lnRef>
+          <a:fillRef idx="1003">
+            <a:schemeClr val="dk2"/>
+          </a:fillRef>
+          <a:effectRef idx="0">
+            <a:schemeClr val="accent1"/>
+          </a:effectRef>
+          <a:fontRef idx="minor">
+            <a:schemeClr val="lt1"/>
+          </a:fontRef>
+        </p:style>
+        <p:txBody>
+          <a:bodyPr rtlCol="0" anchor="ctr"/>
+          <a:lstStyle/>
+          <a:p>
+            <a:pPr algn="ctr"/>
+            <a:endParaRPr lang="en-US"/>
+          </a:p>
+        </p:txBody>
+      </p:sp>
+      <p:sp>
+        <p:nvSpPr>
+          <p:cNvPr id="2" name="Title 1">
+            <a:extLst>
+              <a:ext uri="{FF2B5EF4-FFF2-40B4-BE49-F238E27FC236}">
+                <a16:creationId xmlns:a16="http://schemas.microsoft.com/office/drawing/2014/main" id="{F4894878-C90B-4BDC-82ED-639A7829A6DD}"/>
+              </a:ext>
+            </a:extLst>
+          </p:cNvPr>
+          <p:cNvSpPr>
+            <a:spLocks noGrp="1"/>
+          </p:cNvSpPr>
+          <p:nvPr>
+            <p:ph type="title"/>
+          </p:nvPr>
+        </p:nvSpPr>
+        <p:spPr>
+          <a:xfrm>
+            <a:off x="8200279" y="1325880"/>
+            <a:ext cx="3344020" cy="3066507"/>
+          </a:xfrm>
+        </p:spPr>
+        <p:txBody>
+          <a:bodyPr vert="horz" lIns="91440" tIns="45720" rIns="91440" bIns="45720" rtlCol="0" anchor="b">
+            <a:normAutofit/>
+          </a:bodyPr>
+          <a:lstStyle/>
+          <a:p>
+            <a:r>
+              <a:rPr lang="en-US" sz="3800" b="0" i="0" kern="1200">
+                <a:solidFill>
+                  <a:srgbClr val="EBEBEB"/>
+                </a:solidFill>
+                <a:latin typeface="+mj-lt"/>
+                <a:ea typeface="+mj-ea"/>
+                <a:cs typeface="+mj-cs"/>
+              </a:rPr>
+              <a:t>Component Diagram</a:t>
+            </a:r>
+          </a:p>
+        </p:txBody>
+      </p:sp>
+      <p:sp useBgFill="1">
+        <p:nvSpPr>
+          <p:cNvPr id="25" name="Rectangle 24">
+            <a:extLst>
+              <a:ext uri="{FF2B5EF4-FFF2-40B4-BE49-F238E27FC236}">
+                <a16:creationId xmlns:a16="http://schemas.microsoft.com/office/drawing/2014/main" id="{12425D82-CD5E-45A4-9542-70951E59F2D1}"/>
+              </a:ext>
+              <a:ext uri="{C183D7F6-B498-43B3-948B-1728B52AA6E4}">
+                <adec:decorative xmlns:adec="http://schemas.microsoft.com/office/drawing/2017/decorative" val="1"/>
+              </a:ext>
+            </a:extLst>
+          </p:cNvPr>
+          <p:cNvSpPr>
+            <a:spLocks noGrp="1" noRot="1" noChangeAspect="1" noMove="1" noResize="1" noEditPoints="1" noAdjustHandles="1" noChangeArrowheads="1" noChangeShapeType="1" noTextEdit="1"/>
+          </p:cNvSpPr>
+          <p:nvPr>
+            <p:extLst>
+              <p:ext uri="{386F3935-93C4-4BCD-93E2-E3B085C9AB24}">
+                <p16:designElem xmlns:p16="http://schemas.microsoft.com/office/powerpoint/2015/main" val="1"/>
+              </p:ext>
+            </p:extLst>
+          </p:nvPr>
+        </p:nvSpPr>
+        <p:spPr>
+          <a:xfrm>
+            <a:off x="636914" y="639905"/>
+            <a:ext cx="6915664" cy="5578188"/>
+          </a:xfrm>
+          <a:prstGeom prst="rect">
+            <a:avLst/>
+          </a:prstGeom>
+          <a:ln>
+            <a:noFill/>
+          </a:ln>
+        </p:spPr>
+        <p:style>
+          <a:lnRef idx="2">
+            <a:schemeClr val="accent1">
+              <a:shade val="50000"/>
+            </a:schemeClr>
+          </a:lnRef>
+          <a:fillRef idx="1">
+            <a:schemeClr val="accent1"/>
+          </a:fillRef>
+          <a:effectRef idx="0">
+            <a:schemeClr val="accent1"/>
+          </a:effectRef>
+          <a:fontRef idx="minor">
+            <a:schemeClr val="lt1"/>
+          </a:fontRef>
+        </p:style>
+        <p:txBody>
+          <a:bodyPr rtlCol="0" anchor="ctr"/>
+          <a:lstStyle/>
+          <a:p>
+            <a:pPr algn="ctr"/>
+            <a:endParaRPr lang="en-US"/>
+          </a:p>
+        </p:txBody>
+      </p:sp>
+      <p:sp>
+        <p:nvSpPr>
+          <p:cNvPr id="27" name="Rectangle 26">
+            <a:extLst>
+              <a:ext uri="{FF2B5EF4-FFF2-40B4-BE49-F238E27FC236}">
+                <a16:creationId xmlns:a16="http://schemas.microsoft.com/office/drawing/2014/main" id="{221DB897-A621-4D5F-AC81-91199AC4370E}"/>
+              </a:ext>
+              <a:ext uri="{C183D7F6-B498-43B3-948B-1728B52AA6E4}">
+                <adec:decorative xmlns:adec="http://schemas.microsoft.com/office/drawing/2017/decorative" val="1"/>
+              </a:ext>
+            </a:extLst>
+          </p:cNvPr>
+          <p:cNvSpPr>
+            <a:spLocks noGrp="1" noRot="1" noChangeAspect="1" noMove="1" noResize="1" noEditPoints="1" noAdjustHandles="1" noChangeArrowheads="1" noChangeShapeType="1" noTextEdit="1"/>
+          </p:cNvSpPr>
+          <p:nvPr>
+            <p:extLst>
+              <p:ext uri="{386F3935-93C4-4BCD-93E2-E3B085C9AB24}">
+                <p16:designElem xmlns:p16="http://schemas.microsoft.com/office/powerpoint/2015/main" val="1"/>
+              </p:ext>
+            </p:extLst>
+          </p:nvPr>
+        </p:nvSpPr>
+        <p:spPr>
+          <a:xfrm>
+            <a:off x="10437812" y="0"/>
+            <a:ext cx="685800" cy="1143000"/>
+          </a:xfrm>
+          <a:prstGeom prst="rect">
+            <a:avLst/>
+          </a:prstGeom>
+          <a:solidFill>
+            <a:schemeClr val="accent1"/>
+          </a:solidFill>
+          <a:ln>
+            <a:noFill/>
+          </a:ln>
+        </p:spPr>
+        <p:style>
+          <a:lnRef idx="1">
+            <a:schemeClr val="accent1"/>
+          </a:lnRef>
+          <a:fillRef idx="3">
+            <a:schemeClr val="accent1"/>
+          </a:fillRef>
+          <a:effectRef idx="2">
+            <a:schemeClr val="accent1"/>
+          </a:effectRef>
+          <a:fontRef idx="minor">
+            <a:schemeClr val="lt1"/>
+          </a:fontRef>
+        </p:style>
+      </p:sp>
+      <p:sp>
+        <p:nvSpPr>
+          <p:cNvPr id="4" name="Slide Number Placeholder 3">
+            <a:extLst>
+              <a:ext uri="{FF2B5EF4-FFF2-40B4-BE49-F238E27FC236}">
+                <a16:creationId xmlns:a16="http://schemas.microsoft.com/office/drawing/2014/main" id="{EF7BA336-B5B7-4FC9-8DB1-F8C2F8335D70}"/>
+              </a:ext>
+            </a:extLst>
+          </p:cNvPr>
+          <p:cNvSpPr>
+            <a:spLocks noGrp="1"/>
+          </p:cNvSpPr>
+          <p:nvPr>
+            <p:ph type="sldNum" sz="quarter" idx="12"/>
+          </p:nvPr>
+        </p:nvSpPr>
+        <p:spPr>
+          <a:xfrm>
+            <a:off x="10352540" y="295729"/>
+            <a:ext cx="838199" cy="767687"/>
+          </a:xfrm>
+        </p:spPr>
+        <p:txBody>
+          <a:bodyPr vert="horz" lIns="91440" tIns="45720" rIns="91440" bIns="45720" rtlCol="0" anchor="b">
+            <a:normAutofit/>
+          </a:bodyPr>
+          <a:lstStyle/>
+          <a:p>
+            <a:pPr defTabSz="914400">
+              <a:spcAft>
+                <a:spcPts val="600"/>
+              </a:spcAft>
+            </a:pPr>
+            <a:fld id="{FE93B458-3A03-48ED-B51F-457AA0898A24}" type="slidenum">
+              <a:rPr lang="en-US">
+                <a:solidFill>
+                  <a:srgbClr val="FFFFFF"/>
+                </a:solidFill>
+              </a:rPr>
+              <a:pPr defTabSz="914400">
+                <a:spcAft>
+                  <a:spcPts val="600"/>
+                </a:spcAft>
+              </a:pPr>
+              <a:t>15</a:t>
+            </a:fld>
+            <a:endParaRPr lang="en-US">
+              <a:solidFill>
+                <a:srgbClr val="FFFFFF"/>
+              </a:solidFill>
+            </a:endParaRPr>
+          </a:p>
+        </p:txBody>
+      </p:sp>
+      <p:pic>
+        <p:nvPicPr>
+          <p:cNvPr id="6" name="Content Placeholder 5" descr="A close up of a piece of paper&#10;&#10;Description automatically generated">
+            <a:extLst>
+              <a:ext uri="{FF2B5EF4-FFF2-40B4-BE49-F238E27FC236}">
+                <a16:creationId xmlns:a16="http://schemas.microsoft.com/office/drawing/2014/main" id="{8200C9D6-E6A2-4D5B-922D-7545FD85BB23}"/>
+              </a:ext>
+            </a:extLst>
+          </p:cNvPr>
+          <p:cNvPicPr>
+            <a:picLocks noGrp="1" noChangeAspect="1"/>
+          </p:cNvPicPr>
+          <p:nvPr>
+            <p:ph idx="1"/>
+          </p:nvPr>
+        </p:nvPicPr>
+        <p:blipFill>
+          <a:blip r:embed="rId6">
+            <a:extLst>
+              <a:ext uri="{28A0092B-C50C-407E-A947-70E740481C1C}">
+                <a14:useLocalDpi xmlns:a14="http://schemas.microsoft.com/office/drawing/2010/main" val="0"/>
+              </a:ext>
+            </a:extLst>
+          </a:blip>
+          <a:stretch>
+            <a:fillRect/>
+          </a:stretch>
+        </p:blipFill>
+        <p:spPr>
+          <a:xfrm>
+            <a:off x="1" y="-1"/>
+            <a:ext cx="7904366" cy="6857999"/>
+          </a:xfrm>
+          <a:prstGeom prst="rect">
+            <a:avLst/>
+          </a:prstGeom>
+          <a:effectLst/>
+        </p:spPr>
+      </p:pic>
+    </p:spTree>
+    <p:extLst>
+      <p:ext uri="{BB962C8B-B14F-4D97-AF65-F5344CB8AC3E}">
+        <p14:creationId xmlns:p14="http://schemas.microsoft.com/office/powerpoint/2010/main" val="255067013"/>
+      </p:ext>
+    </p:extLst>
+  </p:cSld>
+  <p:clrMapOvr>
+    <a:overrideClrMapping bg1="lt1" tx1="dk1" bg2="lt2" tx2="dk2" accent1="accent1" accent2="accent2" accent3="accent3" accent4="accent4" accent5="accent5" accent6="accent6" hlink="hlink" folHlink="folHlink"/>
+  </p:clrMapOvr>
+</p:sld>
+</file>
+
+<file path=ppt/slides/slide16.xml><?xml version="1.0" encoding="utf-8"?>
+<p:sld xmlns:a="http://schemas.openxmlformats.org/drawingml/2006/main" xmlns:r="http://schemas.openxmlformats.org/officeDocument/2006/relationships" xmlns:p="http://schemas.openxmlformats.org/presentationml/2006/main">
+  <p:cSld>
+    <p:bg>
+      <p:bgPr>
+        <a:solidFill>
+          <a:schemeClr val="bg1"/>
+        </a:solidFill>
+        <a:effectLst/>
+      </p:bgPr>
+    </p:bg>
+    <p:spTree>
+      <p:nvGrpSpPr>
+        <p:cNvPr id="1" name=""/>
+        <p:cNvGrpSpPr/>
+        <p:nvPr/>
+      </p:nvGrpSpPr>
+      <p:grpSpPr>
+        <a:xfrm>
+          <a:off x="0" y="0"/>
+          <a:ext cx="0" cy="0"/>
+          <a:chOff x="0" y="0"/>
+          <a:chExt cx="0" cy="0"/>
+        </a:xfrm>
+      </p:grpSpPr>
+      <p:pic>
+        <p:nvPicPr>
           <p:cNvPr id="10" name="Picture 9">
             <a:extLst>
               <a:ext uri="{FF2B5EF4-FFF2-40B4-BE49-F238E27FC236}">
@@ -15767,7 +16423,7 @@
           <a:p>
             <a:fld id="{FE93B458-3A03-48ED-B51F-457AA0898A24}" type="slidenum">
               <a:rPr lang="en-IN" smtClean="0"/>
-              <a:t>15</a:t>
+              <a:t>16</a:t>
             </a:fld>
             <a:endParaRPr lang="en-IN"/>
           </a:p>
@@ -15786,7 +16442,7 @@
 </p:sld>
 </file>
 
-<file path=ppt/slides/slide16.xml><?xml version="1.0" encoding="utf-8"?>
+<file path=ppt/slides/slide17.xml><?xml version="1.0" encoding="utf-8"?>
 <p:sld xmlns:a="http://schemas.openxmlformats.org/drawingml/2006/main" xmlns:r="http://schemas.openxmlformats.org/officeDocument/2006/relationships" xmlns:p="http://schemas.openxmlformats.org/presentationml/2006/main">
   <p:cSld>
     <p:bg>
@@ -17203,7 +17859,7 @@
           <a:p>
             <a:fld id="{FE93B458-3A03-48ED-B51F-457AA0898A24}" type="slidenum">
               <a:rPr lang="en-IN" smtClean="0"/>
-              <a:t>16</a:t>
+              <a:t>17</a:t>
             </a:fld>
             <a:endParaRPr lang="en-IN"/>
           </a:p>
@@ -17222,7 +17878,7 @@
 </p:sld>
 </file>
 
-<file path=ppt/slides/slide17.xml><?xml version="1.0" encoding="utf-8"?>
+<file path=ppt/slides/slide18.xml><?xml version="1.0" encoding="utf-8"?>
 <p:sld xmlns:a="http://schemas.openxmlformats.org/drawingml/2006/main" xmlns:r="http://schemas.openxmlformats.org/officeDocument/2006/relationships" xmlns:p="http://schemas.openxmlformats.org/presentationml/2006/main">
   <p:cSld>
     <p:bg>
@@ -18632,7 +19288,7 @@
           <a:p>
             <a:fld id="{FE93B458-3A03-48ED-B51F-457AA0898A24}" type="slidenum">
               <a:rPr lang="en-IN" smtClean="0"/>
-              <a:t>17</a:t>
+              <a:t>18</a:t>
             </a:fld>
             <a:endParaRPr lang="en-IN"/>
           </a:p>
@@ -18651,7 +19307,7 @@
 </p:sld>
 </file>
 
-<file path=ppt/slides/slide18.xml><?xml version="1.0" encoding="utf-8"?>
+<file path=ppt/slides/slide19.xml><?xml version="1.0" encoding="utf-8"?>
 <p:sld xmlns:a="http://schemas.openxmlformats.org/drawingml/2006/main" xmlns:r="http://schemas.openxmlformats.org/officeDocument/2006/relationships" xmlns:p="http://schemas.openxmlformats.org/presentationml/2006/main">
   <p:cSld>
     <p:bg>
@@ -20061,7 +20717,7 @@
           <a:p>
             <a:fld id="{FE93B458-3A03-48ED-B51F-457AA0898A24}" type="slidenum">
               <a:rPr lang="en-IN" smtClean="0"/>
-              <a:t>18</a:t>
+              <a:t>19</a:t>
             </a:fld>
             <a:endParaRPr lang="en-IN"/>
           </a:p>
@@ -20080,7 +20736,152 @@
 </p:sld>
 </file>
 
-<file path=ppt/slides/slide19.xml><?xml version="1.0" encoding="utf-8"?>
+<file path=ppt/slides/slide2.xml><?xml version="1.0" encoding="utf-8"?>
+<p:sld xmlns:a="http://schemas.openxmlformats.org/drawingml/2006/main" xmlns:r="http://schemas.openxmlformats.org/officeDocument/2006/relationships" xmlns:p="http://schemas.openxmlformats.org/presentationml/2006/main">
+  <p:cSld>
+    <p:bg>
+      <p:bgPr>
+        <a:blipFill rotWithShape="1">
+          <a:blip r:embed="rId2">
+            <a:duotone>
+              <a:schemeClr val="bg2">
+                <a:shade val="69000"/>
+                <a:hueMod val="108000"/>
+                <a:satMod val="164000"/>
+                <a:lumMod val="74000"/>
+              </a:schemeClr>
+              <a:schemeClr val="bg2">
+                <a:tint val="96000"/>
+                <a:hueMod val="88000"/>
+                <a:satMod val="140000"/>
+                <a:lumMod val="132000"/>
+              </a:schemeClr>
+            </a:duotone>
+          </a:blip>
+          <a:stretch/>
+        </a:blipFill>
+        <a:effectLst/>
+      </p:bgPr>
+    </p:bg>
+    <p:spTree>
+      <p:nvGrpSpPr>
+        <p:cNvPr id="1" name=""/>
+        <p:cNvGrpSpPr/>
+        <p:nvPr/>
+      </p:nvGrpSpPr>
+      <p:grpSpPr>
+        <a:xfrm>
+          <a:off x="0" y="0"/>
+          <a:ext cx="0" cy="0"/>
+          <a:chOff x="0" y="0"/>
+          <a:chExt cx="0" cy="0"/>
+        </a:xfrm>
+      </p:grpSpPr>
+      <p:sp>
+        <p:nvSpPr>
+          <p:cNvPr id="2" name="Title 1">
+            <a:extLst>
+              <a:ext uri="{FF2B5EF4-FFF2-40B4-BE49-F238E27FC236}">
+                <a16:creationId xmlns:a16="http://schemas.microsoft.com/office/drawing/2014/main" id="{97225817-1A91-494C-A481-BFE1CA74F478}"/>
+              </a:ext>
+            </a:extLst>
+          </p:cNvPr>
+          <p:cNvSpPr>
+            <a:spLocks noGrp="1"/>
+          </p:cNvSpPr>
+          <p:nvPr>
+            <p:ph type="title"/>
+          </p:nvPr>
+        </p:nvSpPr>
+        <p:spPr/>
+        <p:txBody>
+          <a:bodyPr>
+            <a:normAutofit/>
+          </a:bodyPr>
+          <a:lstStyle/>
+          <a:p>
+            <a:r>
+              <a:rPr lang="en-US"/>
+              <a:t>Contents</a:t>
+            </a:r>
+            <a:endParaRPr lang="en-IN" dirty="0"/>
+          </a:p>
+        </p:txBody>
+      </p:sp>
+      <p:graphicFrame>
+        <p:nvGraphicFramePr>
+          <p:cNvPr id="5" name="Content Placeholder 2">
+            <a:extLst>
+              <a:ext uri="{FF2B5EF4-FFF2-40B4-BE49-F238E27FC236}">
+                <a16:creationId xmlns:a16="http://schemas.microsoft.com/office/drawing/2014/main" id="{CDDDDECA-FA90-46BC-9E77-6FFFB90ACA74}"/>
+              </a:ext>
+            </a:extLst>
+          </p:cNvPr>
+          <p:cNvGraphicFramePr>
+            <a:graphicFrameLocks noGrp="1"/>
+          </p:cNvGraphicFramePr>
+          <p:nvPr>
+            <p:ph idx="1"/>
+            <p:extLst>
+              <p:ext uri="{D42A27DB-BD31-4B8C-83A1-F6EECF244321}">
+                <p14:modId xmlns:p14="http://schemas.microsoft.com/office/powerpoint/2010/main" val="1146927496"/>
+              </p:ext>
+            </p:extLst>
+          </p:nvPr>
+        </p:nvGraphicFramePr>
+        <p:xfrm>
+          <a:off x="646111" y="2140085"/>
+          <a:ext cx="9404352" cy="4056434"/>
+        </p:xfrm>
+        <a:graphic>
+          <a:graphicData uri="http://schemas.openxmlformats.org/drawingml/2006/diagram">
+            <dgm:relIds xmlns:dgm="http://schemas.openxmlformats.org/drawingml/2006/diagram" xmlns:r="http://schemas.openxmlformats.org/officeDocument/2006/relationships" r:dm="rId3" r:lo="rId4" r:qs="rId5" r:cs="rId6"/>
+          </a:graphicData>
+        </a:graphic>
+      </p:graphicFrame>
+      <p:sp>
+        <p:nvSpPr>
+          <p:cNvPr id="3" name="Slide Number Placeholder 2">
+            <a:extLst>
+              <a:ext uri="{FF2B5EF4-FFF2-40B4-BE49-F238E27FC236}">
+                <a16:creationId xmlns:a16="http://schemas.microsoft.com/office/drawing/2014/main" id="{DF94C2E9-98F2-4A70-A464-0A096C13F3B2}"/>
+              </a:ext>
+            </a:extLst>
+          </p:cNvPr>
+          <p:cNvSpPr>
+            <a:spLocks noGrp="1"/>
+          </p:cNvSpPr>
+          <p:nvPr>
+            <p:ph type="sldNum" sz="quarter" idx="12"/>
+          </p:nvPr>
+        </p:nvSpPr>
+        <p:spPr/>
+        <p:txBody>
+          <a:bodyPr/>
+          <a:lstStyle/>
+          <a:p>
+            <a:fld id="{FE93B458-3A03-48ED-B51F-457AA0898A24}" type="slidenum">
+              <a:rPr lang="en-IN" smtClean="0"/>
+              <a:t>2</a:t>
+            </a:fld>
+            <a:endParaRPr lang="en-IN"/>
+          </a:p>
+        </p:txBody>
+      </p:sp>
+    </p:spTree>
+    <p:extLst>
+      <p:ext uri="{BB962C8B-B14F-4D97-AF65-F5344CB8AC3E}">
+        <p14:creationId xmlns:p14="http://schemas.microsoft.com/office/powerpoint/2010/main" val="1934242180"/>
+      </p:ext>
+    </p:extLst>
+  </p:cSld>
+  <p:clrMapOvr>
+    <a:masterClrMapping/>
+  </p:clrMapOvr>
+</p:sld>
+</file>
+
+<file path=ppt/slides/slide20.xml><?xml version="1.0" encoding="utf-8"?>
 <p:sld xmlns:a="http://schemas.openxmlformats.org/drawingml/2006/main" xmlns:r="http://schemas.openxmlformats.org/officeDocument/2006/relationships" xmlns:p="http://schemas.openxmlformats.org/presentationml/2006/main">
   <p:cSld>
     <p:bg>
@@ -21238,7 +22039,7 @@
           <a:p>
             <a:fld id="{FE93B458-3A03-48ED-B51F-457AA0898A24}" type="slidenum">
               <a:rPr lang="en-IN" smtClean="0"/>
-              <a:t>19</a:t>
+              <a:t>20</a:t>
             </a:fld>
             <a:endParaRPr lang="en-IN"/>
           </a:p>
@@ -21257,152 +22058,7 @@
 </p:sld>
 </file>
 
-<file path=ppt/slides/slide2.xml><?xml version="1.0" encoding="utf-8"?>
-<p:sld xmlns:a="http://schemas.openxmlformats.org/drawingml/2006/main" xmlns:r="http://schemas.openxmlformats.org/officeDocument/2006/relationships" xmlns:p="http://schemas.openxmlformats.org/presentationml/2006/main">
-  <p:cSld>
-    <p:bg>
-      <p:bgPr>
-        <a:blipFill rotWithShape="1">
-          <a:blip r:embed="rId2">
-            <a:duotone>
-              <a:schemeClr val="bg2">
-                <a:shade val="69000"/>
-                <a:hueMod val="108000"/>
-                <a:satMod val="164000"/>
-                <a:lumMod val="74000"/>
-              </a:schemeClr>
-              <a:schemeClr val="bg2">
-                <a:tint val="96000"/>
-                <a:hueMod val="88000"/>
-                <a:satMod val="140000"/>
-                <a:lumMod val="132000"/>
-              </a:schemeClr>
-            </a:duotone>
-          </a:blip>
-          <a:stretch/>
-        </a:blipFill>
-        <a:effectLst/>
-      </p:bgPr>
-    </p:bg>
-    <p:spTree>
-      <p:nvGrpSpPr>
-        <p:cNvPr id="1" name=""/>
-        <p:cNvGrpSpPr/>
-        <p:nvPr/>
-      </p:nvGrpSpPr>
-      <p:grpSpPr>
-        <a:xfrm>
-          <a:off x="0" y="0"/>
-          <a:ext cx="0" cy="0"/>
-          <a:chOff x="0" y="0"/>
-          <a:chExt cx="0" cy="0"/>
-        </a:xfrm>
-      </p:grpSpPr>
-      <p:sp>
-        <p:nvSpPr>
-          <p:cNvPr id="2" name="Title 1">
-            <a:extLst>
-              <a:ext uri="{FF2B5EF4-FFF2-40B4-BE49-F238E27FC236}">
-                <a16:creationId xmlns:a16="http://schemas.microsoft.com/office/drawing/2014/main" id="{97225817-1A91-494C-A481-BFE1CA74F478}"/>
-              </a:ext>
-            </a:extLst>
-          </p:cNvPr>
-          <p:cNvSpPr>
-            <a:spLocks noGrp="1"/>
-          </p:cNvSpPr>
-          <p:nvPr>
-            <p:ph type="title"/>
-          </p:nvPr>
-        </p:nvSpPr>
-        <p:spPr/>
-        <p:txBody>
-          <a:bodyPr>
-            <a:normAutofit/>
-          </a:bodyPr>
-          <a:lstStyle/>
-          <a:p>
-            <a:r>
-              <a:rPr lang="en-US"/>
-              <a:t>Contents</a:t>
-            </a:r>
-            <a:endParaRPr lang="en-IN" dirty="0"/>
-          </a:p>
-        </p:txBody>
-      </p:sp>
-      <p:graphicFrame>
-        <p:nvGraphicFramePr>
-          <p:cNvPr id="5" name="Content Placeholder 2">
-            <a:extLst>
-              <a:ext uri="{FF2B5EF4-FFF2-40B4-BE49-F238E27FC236}">
-                <a16:creationId xmlns:a16="http://schemas.microsoft.com/office/drawing/2014/main" id="{CDDDDECA-FA90-46BC-9E77-6FFFB90ACA74}"/>
-              </a:ext>
-            </a:extLst>
-          </p:cNvPr>
-          <p:cNvGraphicFramePr>
-            <a:graphicFrameLocks noGrp="1"/>
-          </p:cNvGraphicFramePr>
-          <p:nvPr>
-            <p:ph idx="1"/>
-            <p:extLst>
-              <p:ext uri="{D42A27DB-BD31-4B8C-83A1-F6EECF244321}">
-                <p14:modId xmlns:p14="http://schemas.microsoft.com/office/powerpoint/2010/main" val="1146927496"/>
-              </p:ext>
-            </p:extLst>
-          </p:nvPr>
-        </p:nvGraphicFramePr>
-        <p:xfrm>
-          <a:off x="646111" y="2140085"/>
-          <a:ext cx="9404352" cy="4056434"/>
-        </p:xfrm>
-        <a:graphic>
-          <a:graphicData uri="http://schemas.openxmlformats.org/drawingml/2006/diagram">
-            <dgm:relIds xmlns:dgm="http://schemas.openxmlformats.org/drawingml/2006/diagram" xmlns:r="http://schemas.openxmlformats.org/officeDocument/2006/relationships" r:dm="rId3" r:lo="rId4" r:qs="rId5" r:cs="rId6"/>
-          </a:graphicData>
-        </a:graphic>
-      </p:graphicFrame>
-      <p:sp>
-        <p:nvSpPr>
-          <p:cNvPr id="3" name="Slide Number Placeholder 2">
-            <a:extLst>
-              <a:ext uri="{FF2B5EF4-FFF2-40B4-BE49-F238E27FC236}">
-                <a16:creationId xmlns:a16="http://schemas.microsoft.com/office/drawing/2014/main" id="{DF94C2E9-98F2-4A70-A464-0A096C13F3B2}"/>
-              </a:ext>
-            </a:extLst>
-          </p:cNvPr>
-          <p:cNvSpPr>
-            <a:spLocks noGrp="1"/>
-          </p:cNvSpPr>
-          <p:nvPr>
-            <p:ph type="sldNum" sz="quarter" idx="12"/>
-          </p:nvPr>
-        </p:nvSpPr>
-        <p:spPr/>
-        <p:txBody>
-          <a:bodyPr/>
-          <a:lstStyle/>
-          <a:p>
-            <a:fld id="{FE93B458-3A03-48ED-B51F-457AA0898A24}" type="slidenum">
-              <a:rPr lang="en-IN" smtClean="0"/>
-              <a:t>2</a:t>
-            </a:fld>
-            <a:endParaRPr lang="en-IN"/>
-          </a:p>
-        </p:txBody>
-      </p:sp>
-    </p:spTree>
-    <p:extLst>
-      <p:ext uri="{BB962C8B-B14F-4D97-AF65-F5344CB8AC3E}">
-        <p14:creationId xmlns:p14="http://schemas.microsoft.com/office/powerpoint/2010/main" val="1934242180"/>
-      </p:ext>
-    </p:extLst>
-  </p:cSld>
-  <p:clrMapOvr>
-    <a:masterClrMapping/>
-  </p:clrMapOvr>
-</p:sld>
-</file>
-
-<file path=ppt/slides/slide20.xml><?xml version="1.0" encoding="utf-8"?>
+<file path=ppt/slides/slide21.xml><?xml version="1.0" encoding="utf-8"?>
 <p:sld xmlns:a="http://schemas.openxmlformats.org/drawingml/2006/main" xmlns:r="http://schemas.openxmlformats.org/officeDocument/2006/relationships" xmlns:p="http://schemas.openxmlformats.org/presentationml/2006/main">
   <p:cSld>
     <p:bg>
@@ -22791,7 +23447,7 @@
           <a:p>
             <a:fld id="{FE93B458-3A03-48ED-B51F-457AA0898A24}" type="slidenum">
               <a:rPr lang="en-IN" smtClean="0"/>
-              <a:t>20</a:t>
+              <a:t>21</a:t>
             </a:fld>
             <a:endParaRPr lang="en-IN"/>
           </a:p>
@@ -22810,7 +23466,7 @@
 </p:sld>
 </file>
 
-<file path=ppt/slides/slide21.xml><?xml version="1.0" encoding="utf-8"?>
+<file path=ppt/slides/slide22.xml><?xml version="1.0" encoding="utf-8"?>
 <p:sld xmlns:a="http://schemas.openxmlformats.org/drawingml/2006/main" xmlns:r="http://schemas.openxmlformats.org/officeDocument/2006/relationships" xmlns:p="http://schemas.openxmlformats.org/presentationml/2006/main">
   <p:cSld>
     <p:bg>
@@ -23262,7 +23918,7 @@
           <a:p>
             <a:fld id="{FE93B458-3A03-48ED-B51F-457AA0898A24}" type="slidenum">
               <a:rPr lang="en-IN" smtClean="0"/>
-              <a:t>21</a:t>
+              <a:t>22</a:t>
             </a:fld>
             <a:endParaRPr lang="en-IN"/>
           </a:p>
@@ -23281,7 +23937,7 @@
 </p:sld>
 </file>
 
-<file path=ppt/slides/slide22.xml><?xml version="1.0" encoding="utf-8"?>
+<file path=ppt/slides/slide23.xml><?xml version="1.0" encoding="utf-8"?>
 <p:sld xmlns:a="http://schemas.openxmlformats.org/drawingml/2006/main" xmlns:r="http://schemas.openxmlformats.org/officeDocument/2006/relationships" xmlns:p="http://schemas.openxmlformats.org/presentationml/2006/main">
   <p:cSld>
     <p:bg>
@@ -24513,7 +25169,7 @@
           <a:p>
             <a:fld id="{FE93B458-3A03-48ED-B51F-457AA0898A24}" type="slidenum">
               <a:rPr lang="en-IN" smtClean="0"/>
-              <a:t>22</a:t>
+              <a:t>23</a:t>
             </a:fld>
             <a:endParaRPr lang="en-IN"/>
           </a:p>
@@ -24532,7 +25188,7 @@
 </p:sld>
 </file>
 
-<file path=ppt/slides/slide23.xml><?xml version="1.0" encoding="utf-8"?>
+<file path=ppt/slides/slide24.xml><?xml version="1.0" encoding="utf-8"?>
 <p:sld xmlns:a="http://schemas.openxmlformats.org/drawingml/2006/main" xmlns:r="http://schemas.openxmlformats.org/officeDocument/2006/relationships" xmlns:p="http://schemas.openxmlformats.org/presentationml/2006/main">
   <p:cSld>
     <p:bg>
@@ -25821,7 +26477,7 @@
           <a:p>
             <a:fld id="{FE93B458-3A03-48ED-B51F-457AA0898A24}" type="slidenum">
               <a:rPr lang="en-IN" smtClean="0"/>
-              <a:t>23</a:t>
+              <a:t>24</a:t>
             </a:fld>
             <a:endParaRPr lang="en-IN"/>
           </a:p>
@@ -25840,7 +26496,7 @@
 </p:sld>
 </file>
 
-<file path=ppt/slides/slide24.xml><?xml version="1.0" encoding="utf-8"?>
+<file path=ppt/slides/slide25.xml><?xml version="1.0" encoding="utf-8"?>
 <p:sld xmlns:a="http://schemas.openxmlformats.org/drawingml/2006/main" xmlns:r="http://schemas.openxmlformats.org/officeDocument/2006/relationships" xmlns:p="http://schemas.openxmlformats.org/presentationml/2006/main">
   <p:cSld>
     <p:spTree>
@@ -25956,7 +26612,7 @@
           <a:p>
             <a:fld id="{FE93B458-3A03-48ED-B51F-457AA0898A24}" type="slidenum">
               <a:rPr lang="en-IN" smtClean="0"/>
-              <a:t>24</a:t>
+              <a:t>25</a:t>
             </a:fld>
             <a:endParaRPr lang="en-IN"/>
           </a:p>
@@ -25975,7 +26631,7 @@
 </p:sld>
 </file>
 
-<file path=ppt/slides/slide25.xml><?xml version="1.0" encoding="utf-8"?>
+<file path=ppt/slides/slide26.xml><?xml version="1.0" encoding="utf-8"?>
 <p:sld xmlns:a="http://schemas.openxmlformats.org/drawingml/2006/main" xmlns:r="http://schemas.openxmlformats.org/officeDocument/2006/relationships" xmlns:p="http://schemas.openxmlformats.org/presentationml/2006/main">
   <p:cSld>
     <p:spTree>
@@ -26075,7 +26731,7 @@
           <a:p>
             <a:fld id="{FE93B458-3A03-48ED-B51F-457AA0898A24}" type="slidenum">
               <a:rPr lang="en-IN" smtClean="0"/>
-              <a:t>25</a:t>
+              <a:t>26</a:t>
             </a:fld>
             <a:endParaRPr lang="en-IN"/>
           </a:p>
@@ -26094,7 +26750,7 @@
 </p:sld>
 </file>
 
-<file path=ppt/slides/slide26.xml><?xml version="1.0" encoding="utf-8"?>
+<file path=ppt/slides/slide27.xml><?xml version="1.0" encoding="utf-8"?>
 <p:sld xmlns:a="http://schemas.openxmlformats.org/drawingml/2006/main" xmlns:r="http://schemas.openxmlformats.org/officeDocument/2006/relationships" xmlns:p="http://schemas.openxmlformats.org/presentationml/2006/main">
   <p:cSld>
     <p:bg>
@@ -26498,7 +27154,7 @@
           <a:p>
             <a:fld id="{FE93B458-3A03-48ED-B51F-457AA0898A24}" type="slidenum">
               <a:rPr lang="en-IN" smtClean="0"/>
-              <a:t>26</a:t>
+              <a:t>27</a:t>
             </a:fld>
             <a:endParaRPr lang="en-IN"/>
           </a:p>

--- a/Rescue Bot- Team The Dark Knights.pptx
+++ b/Rescue Bot- Team The Dark Knights.pptx
@@ -5,7 +5,7 @@
     <p:sldMasterId id="2147483713" r:id="rId1"/>
   </p:sldMasterIdLst>
   <p:notesMasterIdLst>
-    <p:notesMasterId r:id="rId29"/>
+    <p:notesMasterId r:id="rId30"/>
   </p:notesMasterIdLst>
   <p:sldIdLst>
     <p:sldId id="256" r:id="rId2"/>
@@ -30,11 +30,12 @@
     <p:sldId id="277" r:id="rId21"/>
     <p:sldId id="283" r:id="rId22"/>
     <p:sldId id="275" r:id="rId23"/>
-    <p:sldId id="272" r:id="rId24"/>
-    <p:sldId id="273" r:id="rId25"/>
-    <p:sldId id="258" r:id="rId26"/>
-    <p:sldId id="285" r:id="rId27"/>
-    <p:sldId id="284" r:id="rId28"/>
+    <p:sldId id="287" r:id="rId24"/>
+    <p:sldId id="272" r:id="rId25"/>
+    <p:sldId id="273" r:id="rId26"/>
+    <p:sldId id="258" r:id="rId27"/>
+    <p:sldId id="285" r:id="rId28"/>
+    <p:sldId id="284" r:id="rId29"/>
   </p:sldIdLst>
   <p:sldSz cx="12192000" cy="6858000"/>
   <p:notesSz cx="6858000" cy="9144000"/>
@@ -23962,6 +23963,661 @@
           <a:chExt cx="0" cy="0"/>
         </a:xfrm>
       </p:grpSpPr>
+      <p:pic>
+        <p:nvPicPr>
+          <p:cNvPr id="11" name="Picture 10">
+            <a:extLst>
+              <a:ext uri="{FF2B5EF4-FFF2-40B4-BE49-F238E27FC236}">
+                <a16:creationId xmlns:a16="http://schemas.microsoft.com/office/drawing/2014/main" id="{41B68C77-138E-4BF7-A276-BD0C78A4219F}"/>
+              </a:ext>
+              <a:ext uri="{C183D7F6-B498-43B3-948B-1728B52AA6E4}">
+                <adec:decorative xmlns:adec="http://schemas.microsoft.com/office/drawing/2017/decorative" val="1"/>
+              </a:ext>
+            </a:extLst>
+          </p:cNvPr>
+          <p:cNvPicPr>
+            <a:picLocks noGrp="1" noRot="1" noChangeAspect="1" noMove="1" noResize="1" noEditPoints="1" noAdjustHandles="1" noChangeArrowheads="1" noChangeShapeType="1" noCrop="1"/>
+          </p:cNvPicPr>
+          <p:nvPr>
+            <p:extLst>
+              <p:ext uri="{386F3935-93C4-4BCD-93E2-E3B085C9AB24}">
+                <p16:designElem xmlns:p16="http://schemas.microsoft.com/office/powerpoint/2015/main" val="1"/>
+              </p:ext>
+            </p:extLst>
+          </p:nvPr>
+        </p:nvPicPr>
+        <p:blipFill rotWithShape="1">
+          <a:blip r:embed="rId2">
+            <a:extLst>
+              <a:ext uri="{28A0092B-C50C-407E-A947-70E740481C1C}">
+                <a14:useLocalDpi xmlns:a14="http://schemas.microsoft.com/office/drawing/2010/main" val="0"/>
+              </a:ext>
+            </a:extLst>
+          </a:blip>
+          <a:srcRect l="3613"/>
+          <a:stretch/>
+        </p:blipFill>
+        <p:spPr>
+          <a:xfrm>
+            <a:off x="0" y="2669685"/>
+            <a:ext cx="4037012" cy="4188315"/>
+          </a:xfrm>
+          <a:prstGeom prst="rect">
+            <a:avLst/>
+          </a:prstGeom>
+        </p:spPr>
+      </p:pic>
+      <p:pic>
+        <p:nvPicPr>
+          <p:cNvPr id="13" name="Picture 12">
+            <a:extLst>
+              <a:ext uri="{FF2B5EF4-FFF2-40B4-BE49-F238E27FC236}">
+                <a16:creationId xmlns:a16="http://schemas.microsoft.com/office/drawing/2014/main" id="{7C268552-D473-46ED-B1B8-422042C4DEF1}"/>
+              </a:ext>
+              <a:ext uri="{C183D7F6-B498-43B3-948B-1728B52AA6E4}">
+                <adec:decorative xmlns:adec="http://schemas.microsoft.com/office/drawing/2017/decorative" val="1"/>
+              </a:ext>
+            </a:extLst>
+          </p:cNvPr>
+          <p:cNvPicPr>
+            <a:picLocks noGrp="1" noRot="1" noChangeAspect="1" noMove="1" noResize="1" noEditPoints="1" noAdjustHandles="1" noChangeArrowheads="1" noChangeShapeType="1" noCrop="1"/>
+          </p:cNvPicPr>
+          <p:nvPr>
+            <p:extLst>
+              <p:ext uri="{386F3935-93C4-4BCD-93E2-E3B085C9AB24}">
+                <p16:designElem xmlns:p16="http://schemas.microsoft.com/office/powerpoint/2015/main" val="1"/>
+              </p:ext>
+            </p:extLst>
+          </p:nvPr>
+        </p:nvPicPr>
+        <p:blipFill rotWithShape="1">
+          <a:blip r:embed="rId3">
+            <a:extLst>
+              <a:ext uri="{28A0092B-C50C-407E-A947-70E740481C1C}">
+                <a14:useLocalDpi xmlns:a14="http://schemas.microsoft.com/office/drawing/2010/main" val="0"/>
+              </a:ext>
+            </a:extLst>
+          </a:blip>
+          <a:srcRect l="35640"/>
+          <a:stretch/>
+        </p:blipFill>
+        <p:spPr>
+          <a:xfrm>
+            <a:off x="0" y="2892347"/>
+            <a:ext cx="1522412" cy="2365453"/>
+          </a:xfrm>
+          <a:prstGeom prst="rect">
+            <a:avLst/>
+          </a:prstGeom>
+        </p:spPr>
+      </p:pic>
+      <p:sp>
+        <p:nvSpPr>
+          <p:cNvPr id="15" name="Oval 14">
+            <a:extLst>
+              <a:ext uri="{FF2B5EF4-FFF2-40B4-BE49-F238E27FC236}">
+                <a16:creationId xmlns:a16="http://schemas.microsoft.com/office/drawing/2014/main" id="{4AC0CD9D-7610-4620-93B4-798CCD9AB581}"/>
+              </a:ext>
+              <a:ext uri="{C183D7F6-B498-43B3-948B-1728B52AA6E4}">
+                <adec:decorative xmlns:adec="http://schemas.microsoft.com/office/drawing/2017/decorative" val="1"/>
+              </a:ext>
+            </a:extLst>
+          </p:cNvPr>
+          <p:cNvSpPr>
+            <a:spLocks noGrp="1" noRot="1" noChangeAspect="1" noMove="1" noResize="1" noEditPoints="1" noAdjustHandles="1" noChangeArrowheads="1" noChangeShapeType="1" noTextEdit="1"/>
+          </p:cNvSpPr>
+          <p:nvPr>
+            <p:extLst>
+              <p:ext uri="{386F3935-93C4-4BCD-93E2-E3B085C9AB24}">
+                <p16:designElem xmlns:p16="http://schemas.microsoft.com/office/powerpoint/2015/main" val="1"/>
+              </p:ext>
+            </p:extLst>
+          </p:nvPr>
+        </p:nvSpPr>
+        <p:spPr>
+          <a:xfrm>
+            <a:off x="8609012" y="1676400"/>
+            <a:ext cx="2819400" cy="2819400"/>
+          </a:xfrm>
+          <a:prstGeom prst="ellipse">
+            <a:avLst/>
+          </a:prstGeom>
+          <a:gradFill flip="none" rotWithShape="1">
+            <a:gsLst>
+              <a:gs pos="0">
+                <a:schemeClr val="bg2">
+                  <a:lumMod val="60000"/>
+                  <a:lumOff val="40000"/>
+                  <a:alpha val="7000"/>
+                </a:schemeClr>
+              </a:gs>
+              <a:gs pos="69000">
+                <a:schemeClr val="bg2">
+                  <a:lumMod val="60000"/>
+                  <a:lumOff val="40000"/>
+                  <a:alpha val="0"/>
+                </a:schemeClr>
+              </a:gs>
+              <a:gs pos="36000">
+                <a:schemeClr val="bg2">
+                  <a:lumMod val="60000"/>
+                  <a:lumOff val="40000"/>
+                  <a:alpha val="6000"/>
+                </a:schemeClr>
+              </a:gs>
+            </a:gsLst>
+            <a:path path="circle">
+              <a:fillToRect l="50000" t="50000" r="50000" b="50000"/>
+            </a:path>
+            <a:tileRect/>
+          </a:gradFill>
+          <a:ln>
+            <a:noFill/>
+          </a:ln>
+          <a:effectLst/>
+        </p:spPr>
+        <p:style>
+          <a:lnRef idx="1">
+            <a:schemeClr val="accent1"/>
+          </a:lnRef>
+          <a:fillRef idx="3">
+            <a:schemeClr val="accent1"/>
+          </a:fillRef>
+          <a:effectRef idx="2">
+            <a:schemeClr val="accent1"/>
+          </a:effectRef>
+          <a:fontRef idx="minor">
+            <a:schemeClr val="lt1"/>
+          </a:fontRef>
+        </p:style>
+      </p:sp>
+      <p:pic>
+        <p:nvPicPr>
+          <p:cNvPr id="17" name="Picture 16">
+            <a:extLst>
+              <a:ext uri="{FF2B5EF4-FFF2-40B4-BE49-F238E27FC236}">
+                <a16:creationId xmlns:a16="http://schemas.microsoft.com/office/drawing/2014/main" id="{B9238B3E-24AA-439A-B527-6C5DF6D72145}"/>
+              </a:ext>
+              <a:ext uri="{C183D7F6-B498-43B3-948B-1728B52AA6E4}">
+                <adec:decorative xmlns:adec="http://schemas.microsoft.com/office/drawing/2017/decorative" val="1"/>
+              </a:ext>
+            </a:extLst>
+          </p:cNvPr>
+          <p:cNvPicPr>
+            <a:picLocks noGrp="1" noRot="1" noChangeAspect="1" noMove="1" noResize="1" noEditPoints="1" noAdjustHandles="1" noChangeArrowheads="1" noChangeShapeType="1" noCrop="1"/>
+          </p:cNvPicPr>
+          <p:nvPr>
+            <p:extLst>
+              <p:ext uri="{386F3935-93C4-4BCD-93E2-E3B085C9AB24}">
+                <p16:designElem xmlns:p16="http://schemas.microsoft.com/office/powerpoint/2015/main" val="1"/>
+              </p:ext>
+            </p:extLst>
+          </p:nvPr>
+        </p:nvPicPr>
+        <p:blipFill rotWithShape="1">
+          <a:blip r:embed="rId4">
+            <a:extLst>
+              <a:ext uri="{28A0092B-C50C-407E-A947-70E740481C1C}">
+                <a14:useLocalDpi xmlns:a14="http://schemas.microsoft.com/office/drawing/2010/main" val="0"/>
+              </a:ext>
+            </a:extLst>
+          </a:blip>
+          <a:srcRect t="28813"/>
+          <a:stretch/>
+        </p:blipFill>
+        <p:spPr>
+          <a:xfrm>
+            <a:off x="7999412" y="0"/>
+            <a:ext cx="1603387" cy="1141407"/>
+          </a:xfrm>
+          <a:prstGeom prst="rect">
+            <a:avLst/>
+          </a:prstGeom>
+        </p:spPr>
+      </p:pic>
+      <p:pic>
+        <p:nvPicPr>
+          <p:cNvPr id="19" name="Picture 18">
+            <a:extLst>
+              <a:ext uri="{FF2B5EF4-FFF2-40B4-BE49-F238E27FC236}">
+                <a16:creationId xmlns:a16="http://schemas.microsoft.com/office/drawing/2014/main" id="{69F01145-BEA3-4CBF-AA21-10077B948CA8}"/>
+              </a:ext>
+              <a:ext uri="{C183D7F6-B498-43B3-948B-1728B52AA6E4}">
+                <adec:decorative xmlns:adec="http://schemas.microsoft.com/office/drawing/2017/decorative" val="1"/>
+              </a:ext>
+            </a:extLst>
+          </p:cNvPr>
+          <p:cNvPicPr>
+            <a:picLocks noGrp="1" noRot="1" noChangeAspect="1" noMove="1" noResize="1" noEditPoints="1" noAdjustHandles="1" noChangeArrowheads="1" noChangeShapeType="1" noCrop="1"/>
+          </p:cNvPicPr>
+          <p:nvPr>
+            <p:extLst>
+              <p:ext uri="{386F3935-93C4-4BCD-93E2-E3B085C9AB24}">
+                <p16:designElem xmlns:p16="http://schemas.microsoft.com/office/powerpoint/2015/main" val="1"/>
+              </p:ext>
+            </p:extLst>
+          </p:nvPr>
+        </p:nvPicPr>
+        <p:blipFill rotWithShape="1">
+          <a:blip r:embed="rId5">
+            <a:extLst>
+              <a:ext uri="{28A0092B-C50C-407E-A947-70E740481C1C}">
+                <a14:useLocalDpi xmlns:a14="http://schemas.microsoft.com/office/drawing/2010/main" val="0"/>
+              </a:ext>
+            </a:extLst>
+          </a:blip>
+          <a:srcRect b="23320"/>
+          <a:stretch/>
+        </p:blipFill>
+        <p:spPr>
+          <a:xfrm>
+            <a:off x="8605878" y="6096000"/>
+            <a:ext cx="993734" cy="762000"/>
+          </a:xfrm>
+          <a:prstGeom prst="rect">
+            <a:avLst/>
+          </a:prstGeom>
+        </p:spPr>
+      </p:pic>
+      <p:sp>
+        <p:nvSpPr>
+          <p:cNvPr id="21" name="Rectangle 20">
+            <a:extLst>
+              <a:ext uri="{FF2B5EF4-FFF2-40B4-BE49-F238E27FC236}">
+                <a16:creationId xmlns:a16="http://schemas.microsoft.com/office/drawing/2014/main" id="{DE4D62F9-188E-4530-84C2-24BDEE4BEB82}"/>
+              </a:ext>
+              <a:ext uri="{C183D7F6-B498-43B3-948B-1728B52AA6E4}">
+                <adec:decorative xmlns:adec="http://schemas.microsoft.com/office/drawing/2017/decorative" val="1"/>
+              </a:ext>
+            </a:extLst>
+          </p:cNvPr>
+          <p:cNvSpPr>
+            <a:spLocks noGrp="1" noRot="1" noChangeAspect="1" noMove="1" noResize="1" noEditPoints="1" noAdjustHandles="1" noChangeArrowheads="1" noChangeShapeType="1" noTextEdit="1"/>
+          </p:cNvSpPr>
+          <p:nvPr>
+            <p:extLst>
+              <p:ext uri="{386F3935-93C4-4BCD-93E2-E3B085C9AB24}">
+                <p16:designElem xmlns:p16="http://schemas.microsoft.com/office/powerpoint/2015/main" val="1"/>
+              </p:ext>
+            </p:extLst>
+          </p:nvPr>
+        </p:nvSpPr>
+        <p:spPr>
+          <a:xfrm>
+            <a:off x="10437812" y="0"/>
+            <a:ext cx="685800" cy="1143000"/>
+          </a:xfrm>
+          <a:prstGeom prst="rect">
+            <a:avLst/>
+          </a:prstGeom>
+          <a:solidFill>
+            <a:schemeClr val="accent1"/>
+          </a:solidFill>
+          <a:ln>
+            <a:noFill/>
+          </a:ln>
+        </p:spPr>
+        <p:style>
+          <a:lnRef idx="1">
+            <a:schemeClr val="accent1"/>
+          </a:lnRef>
+          <a:fillRef idx="3">
+            <a:schemeClr val="accent1"/>
+          </a:fillRef>
+          <a:effectRef idx="2">
+            <a:schemeClr val="accent1"/>
+          </a:effectRef>
+          <a:fontRef idx="minor">
+            <a:schemeClr val="lt1"/>
+          </a:fontRef>
+        </p:style>
+      </p:sp>
+      <p:sp>
+        <p:nvSpPr>
+          <p:cNvPr id="23" name="Rectangle 22">
+            <a:extLst>
+              <a:ext uri="{FF2B5EF4-FFF2-40B4-BE49-F238E27FC236}">
+                <a16:creationId xmlns:a16="http://schemas.microsoft.com/office/drawing/2014/main" id="{D67CA421-FA2B-47ED-A101-F8BBEBB2976B}"/>
+              </a:ext>
+              <a:ext uri="{C183D7F6-B498-43B3-948B-1728B52AA6E4}">
+                <adec:decorative xmlns:adec="http://schemas.microsoft.com/office/drawing/2017/decorative" val="1"/>
+              </a:ext>
+            </a:extLst>
+          </p:cNvPr>
+          <p:cNvSpPr>
+            <a:spLocks noGrp="1" noRot="1" noChangeAspect="1" noMove="1" noResize="1" noEditPoints="1" noAdjustHandles="1" noChangeArrowheads="1" noChangeShapeType="1" noTextEdit="1"/>
+          </p:cNvSpPr>
+          <p:nvPr>
+            <p:extLst>
+              <p:ext uri="{386F3935-93C4-4BCD-93E2-E3B085C9AB24}">
+                <p16:designElem xmlns:p16="http://schemas.microsoft.com/office/powerpoint/2015/main" val="1"/>
+              </p:ext>
+            </p:extLst>
+          </p:nvPr>
+        </p:nvSpPr>
+        <p:spPr>
+          <a:xfrm>
+            <a:off x="0" y="0"/>
+            <a:ext cx="12192000" cy="6858000"/>
+          </a:xfrm>
+          <a:prstGeom prst="rect">
+            <a:avLst/>
+          </a:prstGeom>
+          <a:ln>
+            <a:noFill/>
+          </a:ln>
+        </p:spPr>
+        <p:style>
+          <a:lnRef idx="2">
+            <a:schemeClr val="accent1">
+              <a:shade val="50000"/>
+            </a:schemeClr>
+          </a:lnRef>
+          <a:fillRef idx="1003">
+            <a:schemeClr val="dk2"/>
+          </a:fillRef>
+          <a:effectRef idx="0">
+            <a:schemeClr val="accent1"/>
+          </a:effectRef>
+          <a:fontRef idx="minor">
+            <a:schemeClr val="lt1"/>
+          </a:fontRef>
+        </p:style>
+        <p:txBody>
+          <a:bodyPr rtlCol="0" anchor="ctr"/>
+          <a:lstStyle/>
+          <a:p>
+            <a:pPr algn="ctr"/>
+            <a:endParaRPr lang="en-US"/>
+          </a:p>
+        </p:txBody>
+      </p:sp>
+      <p:sp>
+        <p:nvSpPr>
+          <p:cNvPr id="2" name="Title 1">
+            <a:extLst>
+              <a:ext uri="{FF2B5EF4-FFF2-40B4-BE49-F238E27FC236}">
+                <a16:creationId xmlns:a16="http://schemas.microsoft.com/office/drawing/2014/main" id="{2F19EE52-A21E-497E-87A9-4868CF5BC4C5}"/>
+              </a:ext>
+            </a:extLst>
+          </p:cNvPr>
+          <p:cNvSpPr>
+            <a:spLocks noGrp="1"/>
+          </p:cNvSpPr>
+          <p:nvPr>
+            <p:ph type="title"/>
+          </p:nvPr>
+        </p:nvSpPr>
+        <p:spPr>
+          <a:xfrm>
+            <a:off x="8200279" y="1325880"/>
+            <a:ext cx="3344020" cy="3066507"/>
+          </a:xfrm>
+        </p:spPr>
+        <p:txBody>
+          <a:bodyPr vert="horz" lIns="91440" tIns="45720" rIns="91440" bIns="45720" rtlCol="0" anchor="b">
+            <a:normAutofit/>
+          </a:bodyPr>
+          <a:lstStyle/>
+          <a:p>
+            <a:r>
+              <a:rPr lang="en-US" sz="5400" b="0" i="0" kern="1200">
+                <a:solidFill>
+                  <a:srgbClr val="EBEBEB"/>
+                </a:solidFill>
+                <a:latin typeface="+mj-lt"/>
+                <a:ea typeface="+mj-ea"/>
+                <a:cs typeface="+mj-cs"/>
+              </a:rPr>
+              <a:t>Uppaal Verifier</a:t>
+            </a:r>
+          </a:p>
+        </p:txBody>
+      </p:sp>
+      <p:sp useBgFill="1">
+        <p:nvSpPr>
+          <p:cNvPr id="25" name="Rectangle 24">
+            <a:extLst>
+              <a:ext uri="{FF2B5EF4-FFF2-40B4-BE49-F238E27FC236}">
+                <a16:creationId xmlns:a16="http://schemas.microsoft.com/office/drawing/2014/main" id="{12425D82-CD5E-45A4-9542-70951E59F2D1}"/>
+              </a:ext>
+              <a:ext uri="{C183D7F6-B498-43B3-948B-1728B52AA6E4}">
+                <adec:decorative xmlns:adec="http://schemas.microsoft.com/office/drawing/2017/decorative" val="1"/>
+              </a:ext>
+            </a:extLst>
+          </p:cNvPr>
+          <p:cNvSpPr>
+            <a:spLocks noGrp="1" noRot="1" noChangeAspect="1" noMove="1" noResize="1" noEditPoints="1" noAdjustHandles="1" noChangeArrowheads="1" noChangeShapeType="1" noTextEdit="1"/>
+          </p:cNvSpPr>
+          <p:nvPr>
+            <p:extLst>
+              <p:ext uri="{386F3935-93C4-4BCD-93E2-E3B085C9AB24}">
+                <p16:designElem xmlns:p16="http://schemas.microsoft.com/office/powerpoint/2015/main" val="1"/>
+              </p:ext>
+            </p:extLst>
+          </p:nvPr>
+        </p:nvSpPr>
+        <p:spPr>
+          <a:xfrm>
+            <a:off x="636914" y="639905"/>
+            <a:ext cx="6915664" cy="5578188"/>
+          </a:xfrm>
+          <a:prstGeom prst="rect">
+            <a:avLst/>
+          </a:prstGeom>
+          <a:ln>
+            <a:noFill/>
+          </a:ln>
+        </p:spPr>
+        <p:style>
+          <a:lnRef idx="2">
+            <a:schemeClr val="accent1">
+              <a:shade val="50000"/>
+            </a:schemeClr>
+          </a:lnRef>
+          <a:fillRef idx="1">
+            <a:schemeClr val="accent1"/>
+          </a:fillRef>
+          <a:effectRef idx="0">
+            <a:schemeClr val="accent1"/>
+          </a:effectRef>
+          <a:fontRef idx="minor">
+            <a:schemeClr val="lt1"/>
+          </a:fontRef>
+        </p:style>
+        <p:txBody>
+          <a:bodyPr rtlCol="0" anchor="ctr"/>
+          <a:lstStyle/>
+          <a:p>
+            <a:pPr algn="ctr"/>
+            <a:endParaRPr lang="en-US"/>
+          </a:p>
+        </p:txBody>
+      </p:sp>
+      <p:sp>
+        <p:nvSpPr>
+          <p:cNvPr id="27" name="Rectangle 26">
+            <a:extLst>
+              <a:ext uri="{FF2B5EF4-FFF2-40B4-BE49-F238E27FC236}">
+                <a16:creationId xmlns:a16="http://schemas.microsoft.com/office/drawing/2014/main" id="{221DB897-A621-4D5F-AC81-91199AC4370E}"/>
+              </a:ext>
+              <a:ext uri="{C183D7F6-B498-43B3-948B-1728B52AA6E4}">
+                <adec:decorative xmlns:adec="http://schemas.microsoft.com/office/drawing/2017/decorative" val="1"/>
+              </a:ext>
+            </a:extLst>
+          </p:cNvPr>
+          <p:cNvSpPr>
+            <a:spLocks noGrp="1" noRot="1" noChangeAspect="1" noMove="1" noResize="1" noEditPoints="1" noAdjustHandles="1" noChangeArrowheads="1" noChangeShapeType="1" noTextEdit="1"/>
+          </p:cNvSpPr>
+          <p:nvPr>
+            <p:extLst>
+              <p:ext uri="{386F3935-93C4-4BCD-93E2-E3B085C9AB24}">
+                <p16:designElem xmlns:p16="http://schemas.microsoft.com/office/powerpoint/2015/main" val="1"/>
+              </p:ext>
+            </p:extLst>
+          </p:nvPr>
+        </p:nvSpPr>
+        <p:spPr>
+          <a:xfrm>
+            <a:off x="10437812" y="0"/>
+            <a:ext cx="685800" cy="1143000"/>
+          </a:xfrm>
+          <a:prstGeom prst="rect">
+            <a:avLst/>
+          </a:prstGeom>
+          <a:solidFill>
+            <a:schemeClr val="accent1"/>
+          </a:solidFill>
+          <a:ln>
+            <a:noFill/>
+          </a:ln>
+        </p:spPr>
+        <p:style>
+          <a:lnRef idx="1">
+            <a:schemeClr val="accent1"/>
+          </a:lnRef>
+          <a:fillRef idx="3">
+            <a:schemeClr val="accent1"/>
+          </a:fillRef>
+          <a:effectRef idx="2">
+            <a:schemeClr val="accent1"/>
+          </a:effectRef>
+          <a:fontRef idx="minor">
+            <a:schemeClr val="lt1"/>
+          </a:fontRef>
+        </p:style>
+      </p:sp>
+      <p:sp>
+        <p:nvSpPr>
+          <p:cNvPr id="4" name="Slide Number Placeholder 3">
+            <a:extLst>
+              <a:ext uri="{FF2B5EF4-FFF2-40B4-BE49-F238E27FC236}">
+                <a16:creationId xmlns:a16="http://schemas.microsoft.com/office/drawing/2014/main" id="{74869814-818B-4D32-93D9-42CAE275E1B0}"/>
+              </a:ext>
+            </a:extLst>
+          </p:cNvPr>
+          <p:cNvSpPr>
+            <a:spLocks noGrp="1"/>
+          </p:cNvSpPr>
+          <p:nvPr>
+            <p:ph type="sldNum" sz="quarter" idx="12"/>
+          </p:nvPr>
+        </p:nvSpPr>
+        <p:spPr>
+          <a:xfrm>
+            <a:off x="10352540" y="295729"/>
+            <a:ext cx="838199" cy="767687"/>
+          </a:xfrm>
+        </p:spPr>
+        <p:txBody>
+          <a:bodyPr vert="horz" lIns="91440" tIns="45720" rIns="91440" bIns="45720" rtlCol="0" anchor="b">
+            <a:normAutofit/>
+          </a:bodyPr>
+          <a:lstStyle/>
+          <a:p>
+            <a:pPr defTabSz="914400">
+              <a:spcAft>
+                <a:spcPts val="600"/>
+              </a:spcAft>
+            </a:pPr>
+            <a:fld id="{FE93B458-3A03-48ED-B51F-457AA0898A24}" type="slidenum">
+              <a:rPr lang="en-US">
+                <a:solidFill>
+                  <a:srgbClr val="FFFFFF"/>
+                </a:solidFill>
+              </a:rPr>
+              <a:pPr defTabSz="914400">
+                <a:spcAft>
+                  <a:spcPts val="600"/>
+                </a:spcAft>
+              </a:pPr>
+              <a:t>23</a:t>
+            </a:fld>
+            <a:endParaRPr lang="en-US">
+              <a:solidFill>
+                <a:srgbClr val="FFFFFF"/>
+              </a:solidFill>
+            </a:endParaRPr>
+          </a:p>
+        </p:txBody>
+      </p:sp>
+      <p:pic>
+        <p:nvPicPr>
+          <p:cNvPr id="6" name="Content Placeholder 5" descr="A screenshot of a social media post&#10;&#10;Description automatically generated">
+            <a:extLst>
+              <a:ext uri="{FF2B5EF4-FFF2-40B4-BE49-F238E27FC236}">
+                <a16:creationId xmlns:a16="http://schemas.microsoft.com/office/drawing/2014/main" id="{9BDFE2AB-B885-4117-B6A0-E23C9E9B0AAC}"/>
+              </a:ext>
+            </a:extLst>
+          </p:cNvPr>
+          <p:cNvPicPr>
+            <a:picLocks noGrp="1" noChangeAspect="1"/>
+          </p:cNvPicPr>
+          <p:nvPr>
+            <p:ph idx="1"/>
+          </p:nvPr>
+        </p:nvPicPr>
+        <p:blipFill>
+          <a:blip r:embed="rId6">
+            <a:extLst>
+              <a:ext uri="{28A0092B-C50C-407E-A947-70E740481C1C}">
+                <a14:useLocalDpi xmlns:a14="http://schemas.microsoft.com/office/drawing/2010/main" val="0"/>
+              </a:ext>
+            </a:extLst>
+          </a:blip>
+          <a:stretch>
+            <a:fillRect/>
+          </a:stretch>
+        </p:blipFill>
+        <p:spPr>
+          <a:xfrm>
+            <a:off x="0" y="-2"/>
+            <a:ext cx="8133152" cy="6858002"/>
+          </a:xfrm>
+          <a:prstGeom prst="rect">
+            <a:avLst/>
+          </a:prstGeom>
+          <a:effectLst/>
+        </p:spPr>
+      </p:pic>
+    </p:spTree>
+    <p:extLst>
+      <p:ext uri="{BB962C8B-B14F-4D97-AF65-F5344CB8AC3E}">
+        <p14:creationId xmlns:p14="http://schemas.microsoft.com/office/powerpoint/2010/main" val="3122344331"/>
+      </p:ext>
+    </p:extLst>
+  </p:cSld>
+  <p:clrMapOvr>
+    <a:overrideClrMapping bg1="lt1" tx1="dk1" bg2="lt2" tx2="dk2" accent1="accent1" accent2="accent2" accent3="accent3" accent4="accent4" accent5="accent5" accent6="accent6" hlink="hlink" folHlink="folHlink"/>
+  </p:clrMapOvr>
+</p:sld>
+</file>
+
+<file path=ppt/slides/slide24.xml><?xml version="1.0" encoding="utf-8"?>
+<p:sld xmlns:a="http://schemas.openxmlformats.org/drawingml/2006/main" xmlns:r="http://schemas.openxmlformats.org/officeDocument/2006/relationships" xmlns:p="http://schemas.openxmlformats.org/presentationml/2006/main">
+  <p:cSld>
+    <p:bg>
+      <p:bgPr>
+        <a:solidFill>
+          <a:schemeClr val="bg1"/>
+        </a:solidFill>
+        <a:effectLst/>
+      </p:bgPr>
+    </p:bg>
+    <p:spTree>
+      <p:nvGrpSpPr>
+        <p:cNvPr id="1" name=""/>
+        <p:cNvGrpSpPr/>
+        <p:nvPr/>
+      </p:nvGrpSpPr>
+      <p:grpSpPr>
+        <a:xfrm>
+          <a:off x="0" y="0"/>
+          <a:ext cx="0" cy="0"/>
+          <a:chOff x="0" y="0"/>
+          <a:chExt cx="0" cy="0"/>
+        </a:xfrm>
+      </p:grpSpPr>
       <p:sp>
         <p:nvSpPr>
           <p:cNvPr id="12" name="Rectangle 11">
@@ -25169,7 +25825,7 @@
           <a:p>
             <a:fld id="{FE93B458-3A03-48ED-B51F-457AA0898A24}" type="slidenum">
               <a:rPr lang="en-IN" smtClean="0"/>
-              <a:t>23</a:t>
+              <a:t>24</a:t>
             </a:fld>
             <a:endParaRPr lang="en-IN"/>
           </a:p>
@@ -25188,7 +25844,7 @@
 </p:sld>
 </file>
 
-<file path=ppt/slides/slide24.xml><?xml version="1.0" encoding="utf-8"?>
+<file path=ppt/slides/slide25.xml><?xml version="1.0" encoding="utf-8"?>
 <p:sld xmlns:a="http://schemas.openxmlformats.org/drawingml/2006/main" xmlns:r="http://schemas.openxmlformats.org/officeDocument/2006/relationships" xmlns:p="http://schemas.openxmlformats.org/presentationml/2006/main">
   <p:cSld>
     <p:bg>
@@ -26477,7 +27133,7 @@
           <a:p>
             <a:fld id="{FE93B458-3A03-48ED-B51F-457AA0898A24}" type="slidenum">
               <a:rPr lang="en-IN" smtClean="0"/>
-              <a:t>24</a:t>
+              <a:t>25</a:t>
             </a:fld>
             <a:endParaRPr lang="en-IN"/>
           </a:p>
@@ -26496,7 +27152,7 @@
 </p:sld>
 </file>
 
-<file path=ppt/slides/slide25.xml><?xml version="1.0" encoding="utf-8"?>
+<file path=ppt/slides/slide26.xml><?xml version="1.0" encoding="utf-8"?>
 <p:sld xmlns:a="http://schemas.openxmlformats.org/drawingml/2006/main" xmlns:r="http://schemas.openxmlformats.org/officeDocument/2006/relationships" xmlns:p="http://schemas.openxmlformats.org/presentationml/2006/main">
   <p:cSld>
     <p:spTree>
@@ -26612,7 +27268,7 @@
           <a:p>
             <a:fld id="{FE93B458-3A03-48ED-B51F-457AA0898A24}" type="slidenum">
               <a:rPr lang="en-IN" smtClean="0"/>
-              <a:t>25</a:t>
+              <a:t>26</a:t>
             </a:fld>
             <a:endParaRPr lang="en-IN"/>
           </a:p>
@@ -26631,7 +27287,7 @@
 </p:sld>
 </file>
 
-<file path=ppt/slides/slide26.xml><?xml version="1.0" encoding="utf-8"?>
+<file path=ppt/slides/slide27.xml><?xml version="1.0" encoding="utf-8"?>
 <p:sld xmlns:a="http://schemas.openxmlformats.org/drawingml/2006/main" xmlns:r="http://schemas.openxmlformats.org/officeDocument/2006/relationships" xmlns:p="http://schemas.openxmlformats.org/presentationml/2006/main">
   <p:cSld>
     <p:spTree>
@@ -26731,7 +27387,7 @@
           <a:p>
             <a:fld id="{FE93B458-3A03-48ED-B51F-457AA0898A24}" type="slidenum">
               <a:rPr lang="en-IN" smtClean="0"/>
-              <a:t>26</a:t>
+              <a:t>27</a:t>
             </a:fld>
             <a:endParaRPr lang="en-IN"/>
           </a:p>
@@ -26750,7 +27406,7 @@
 </p:sld>
 </file>
 
-<file path=ppt/slides/slide27.xml><?xml version="1.0" encoding="utf-8"?>
+<file path=ppt/slides/slide28.xml><?xml version="1.0" encoding="utf-8"?>
 <p:sld xmlns:a="http://schemas.openxmlformats.org/drawingml/2006/main" xmlns:r="http://schemas.openxmlformats.org/officeDocument/2006/relationships" xmlns:p="http://schemas.openxmlformats.org/presentationml/2006/main">
   <p:cSld>
     <p:bg>
@@ -27154,7 +27810,7 @@
           <a:p>
             <a:fld id="{FE93B458-3A03-48ED-B51F-457AA0898A24}" type="slidenum">
               <a:rPr lang="en-IN" smtClean="0"/>
-              <a:t>27</a:t>
+              <a:t>28</a:t>
             </a:fld>
             <a:endParaRPr lang="en-IN"/>
           </a:p>
